--- a/DevOps/DOCKER Commands.pptx
+++ b/DevOps/DOCKER Commands.pptx
@@ -8,10 +8,6 @@
     <p:sldId id="257" r:id="rId5"/>
     <p:sldId id="262" r:id="rId6"/>
     <p:sldId id="258" r:id="rId7"/>
-    <p:sldId id="263" r:id="rId8"/>
-    <p:sldId id="259" r:id="rId9"/>
-    <p:sldId id="260" r:id="rId10"/>
-    <p:sldId id="261" r:id="rId11"/>
   </p:sldIdLst>
   <p:sldSz cx="12192000" cy="6858000"/>
   <p:notesSz cx="6858000" cy="9144000"/>
@@ -356,7 +352,7 @@
           <a:p>
             <a:fld id="{ED291B17-9318-49DB-B28B-6E5994AE9581}" type="datetime1">
               <a:rPr lang="en-US" smtClean="0"/>
-              <a:t>6/4/2022</a:t>
+              <a:t>12/1/2023</a:t>
             </a:fld>
             <a:endParaRPr lang="en-US" dirty="0"/>
           </a:p>
@@ -559,7 +555,7 @@
           <a:p>
             <a:fld id="{2CED4963-E985-44C4-B8C4-FDD613B7C2F8}" type="datetime1">
               <a:rPr lang="en-US" smtClean="0"/>
-              <a:t>6/4/2022</a:t>
+              <a:t>12/1/2023</a:t>
             </a:fld>
             <a:endParaRPr lang="en-US" dirty="0"/>
           </a:p>
@@ -921,7 +917,7 @@
           <a:p>
             <a:fld id="{ED291B17-9318-49DB-B28B-6E5994AE9581}" type="datetime1">
               <a:rPr lang="en-US" smtClean="0"/>
-              <a:t>6/4/2022</a:t>
+              <a:t>12/1/2023</a:t>
             </a:fld>
             <a:endParaRPr lang="en-US" dirty="0"/>
           </a:p>
@@ -1119,7 +1115,7 @@
           <a:p>
             <a:fld id="{78DD82B9-B8EE-4375-B6FF-88FA6ABB15D9}" type="datetime1">
               <a:rPr lang="en-US" smtClean="0"/>
-              <a:t>6/4/2022</a:t>
+              <a:t>12/1/2023</a:t>
             </a:fld>
             <a:endParaRPr lang="en-US" dirty="0"/>
           </a:p>
@@ -1431,7 +1427,7 @@
           <a:p>
             <a:fld id="{B2497495-0637-405E-AE64-5CC7506D51F5}" type="datetime1">
               <a:rPr lang="en-US" smtClean="0"/>
-              <a:t>6/4/2022</a:t>
+              <a:t>12/1/2023</a:t>
             </a:fld>
             <a:endParaRPr lang="en-US" dirty="0"/>
           </a:p>
@@ -1684,7 +1680,7 @@
           <a:p>
             <a:fld id="{7BFFD690-9426-415D-8B65-26881E07B2D4}" type="datetime1">
               <a:rPr lang="en-US" smtClean="0"/>
-              <a:t>6/4/2022</a:t>
+              <a:t>12/1/2023</a:t>
             </a:fld>
             <a:endParaRPr lang="en-US" dirty="0"/>
           </a:p>
@@ -2106,7 +2102,7 @@
           <a:p>
             <a:fld id="{04C4989A-474C-40DE-95B9-011C28B71673}" type="datetime1">
               <a:rPr lang="en-US" smtClean="0"/>
-              <a:t>6/4/2022</a:t>
+              <a:t>12/1/2023</a:t>
             </a:fld>
             <a:endParaRPr lang="en-US" dirty="0"/>
           </a:p>
@@ -2229,7 +2225,7 @@
           <a:p>
             <a:fld id="{5DB4ED54-5B5E-4A04-93D3-5772E3CE3818}" type="datetime1">
               <a:rPr lang="en-US" smtClean="0"/>
-              <a:t>6/4/2022</a:t>
+              <a:t>12/1/2023</a:t>
             </a:fld>
             <a:endParaRPr lang="en-US" dirty="0"/>
           </a:p>
@@ -2324,7 +2320,7 @@
           <a:p>
             <a:fld id="{4EDE50D6-574B-40AF-946F-D52A04ADE379}" type="datetime1">
               <a:rPr lang="en-US" smtClean="0"/>
-              <a:t>6/4/2022</a:t>
+              <a:t>12/1/2023</a:t>
             </a:fld>
             <a:endParaRPr lang="en-US" dirty="0"/>
           </a:p>
@@ -2701,7 +2697,7 @@
           <a:p>
             <a:fld id="{D82884F1-FFEA-405F-9602-3DCA865EDA4E}" type="datetime1">
               <a:rPr lang="en-US" smtClean="0"/>
-              <a:t>6/4/2022</a:t>
+              <a:t>12/1/2023</a:t>
             </a:fld>
             <a:endParaRPr lang="en-US" dirty="0"/>
           </a:p>
@@ -2994,7 +2990,7 @@
           <a:p>
             <a:fld id="{7E18DB4A-8810-4A10-AD5C-D5E2C667F5B3}" type="datetime1">
               <a:rPr lang="en-US" smtClean="0"/>
-              <a:t>6/4/2022</a:t>
+              <a:t>12/1/2023</a:t>
             </a:fld>
             <a:endParaRPr lang="en-US" dirty="0"/>
           </a:p>
@@ -3209,7 +3205,7 @@
           <a:p>
             <a:fld id="{ED291B17-9318-49DB-B28B-6E5994AE9581}" type="datetime1">
               <a:rPr lang="en-US" smtClean="0"/>
-              <a:t>6/4/2022</a:t>
+              <a:t>12/1/2023</a:t>
             </a:fld>
             <a:endParaRPr lang="en-US" dirty="0"/>
           </a:p>
@@ -4464,336 +4460,6 @@
 </p:sld>
 </file>
 
-<file path=ppt/slides/slide4.xml><?xml version="1.0" encoding="utf-8"?>
-<p:sld xmlns:a="http://purl.oclc.org/ooxml/drawingml/main" xmlns:r="http://purl.oclc.org/ooxml/officeDocument/relationships" xmlns:p="http://purl.oclc.org/ooxml/presentationml/main">
-  <p:cSld>
-    <p:spTree>
-      <p:nvGrpSpPr>
-        <p:cNvPr id="1" name=""/>
-        <p:cNvGrpSpPr/>
-        <p:nvPr/>
-      </p:nvGrpSpPr>
-      <p:grpSpPr>
-        <a:xfrm>
-          <a:off x="0" y="0"/>
-          <a:ext cx="0" cy="0"/>
-          <a:chOff x="0" y="0"/>
-          <a:chExt cx="0" cy="0"/>
-        </a:xfrm>
-      </p:grpSpPr>
-      <p:graphicFrame>
-        <p:nvGraphicFramePr>
-          <p:cNvPr id="2" name="Table 2">
-            <a:extLst>
-              <a:ext uri="{FF2B5EF4-FFF2-40B4-BE49-F238E27FC236}">
-                <a16:creationId xmlns:a16="http://schemas.microsoft.com/office/drawing/2014/main" id="{967F81B9-B3F9-6C1A-CBFB-317D26426129}"/>
-              </a:ext>
-            </a:extLst>
-          </p:cNvPr>
-          <p:cNvGraphicFramePr>
-            <a:graphicFrameLocks noGrp="1"/>
-          </p:cNvGraphicFramePr>
-          <p:nvPr>
-            <p:extLst>
-              <p:ext uri="{D42A27DB-BD31-4B8C-83A1-F6EECF244321}">
-                <p14:modId xmlns:p14="http://schemas.microsoft.com/office/powerpoint/2010/main" val="882093089"/>
-              </p:ext>
-            </p:extLst>
-          </p:nvPr>
-        </p:nvGraphicFramePr>
-        <p:xfrm>
-          <a:off x="2032000" y="719666"/>
-          <a:ext cx="8128000" cy="1010920"/>
-        </p:xfrm>
-        <a:graphic>
-          <a:graphicData uri="http://purl.oclc.org/ooxml/drawingml/table">
-            <a:tbl>
-              <a:tblPr firstRow="1" bandRow="1">
-                <a:tableStyleId>{073A0DAA-6AF3-43AB-8588-CEC1D06C72B9}</a:tableStyleId>
-              </a:tblPr>
-              <a:tblGrid>
-                <a:gridCol w="4064000">
-                  <a:extLst>
-                    <a:ext uri="{9D8B030D-6E8A-4147-A177-3AD203B41FA5}">
-                      <a16:colId xmlns:a16="http://schemas.microsoft.com/office/drawing/2014/main" val="2685743841"/>
-                    </a:ext>
-                  </a:extLst>
-                </a:gridCol>
-                <a:gridCol w="4064000">
-                  <a:extLst>
-                    <a:ext uri="{9D8B030D-6E8A-4147-A177-3AD203B41FA5}">
-                      <a16:colId xmlns:a16="http://schemas.microsoft.com/office/drawing/2014/main" val="3313911640"/>
-                    </a:ext>
-                  </a:extLst>
-                </a:gridCol>
-              </a:tblGrid>
-              <a:tr h="370840">
-                <a:tc>
-                  <a:txBody>
-                    <a:bodyPr/>
-                    <a:lstStyle/>
-                    <a:p>
-                      <a:r>
-                        <a:rPr lang="en-IN" dirty="0"/>
-                        <a:t>Command description</a:t>
-                      </a:r>
-                      <a:endParaRPr lang="en-GB" dirty="0"/>
-                    </a:p>
-                  </a:txBody>
-                  <a:tcPr/>
-                </a:tc>
-                <a:tc>
-                  <a:txBody>
-                    <a:bodyPr/>
-                    <a:lstStyle/>
-                    <a:p>
-                      <a:r>
-                        <a:rPr lang="en-IN" dirty="0"/>
-                        <a:t>Command</a:t>
-                      </a:r>
-                    </a:p>
-                    <a:p>
-                      <a:endParaRPr lang="en-GB" dirty="0"/>
-                    </a:p>
-                  </a:txBody>
-                  <a:tcPr/>
-                </a:tc>
-                <a:extLst>
-                  <a:ext uri="{0D108BD9-81ED-4DB2-BD59-A6C34878D82A}">
-                    <a16:rowId xmlns:a16="http://schemas.microsoft.com/office/drawing/2014/main" val="2782527518"/>
-                  </a:ext>
-                </a:extLst>
-              </a:tr>
-              <a:tr h="370840">
-                <a:tc>
-                  <a:txBody>
-                    <a:bodyPr/>
-                    <a:lstStyle/>
-                    <a:p>
-                      <a:r>
-                        <a:rPr lang="en-IN" dirty="0"/>
-                        <a:t>List all the commands of docker</a:t>
-                      </a:r>
-                      <a:endParaRPr lang="en-GB" dirty="0"/>
-                    </a:p>
-                  </a:txBody>
-                  <a:tcPr/>
-                </a:tc>
-                <a:tc>
-                  <a:txBody>
-                    <a:bodyPr/>
-                    <a:lstStyle/>
-                    <a:p>
-                      <a:pPr algn="l"/>
-                      <a:r>
-                        <a:rPr lang="en-IN" dirty="0"/>
-                        <a:t>docker</a:t>
-                      </a:r>
-                      <a:endParaRPr lang="en-GB" dirty="0"/>
-                    </a:p>
-                  </a:txBody>
-                  <a:tcPr/>
-                </a:tc>
-                <a:extLst>
-                  <a:ext uri="{0D108BD9-81ED-4DB2-BD59-A6C34878D82A}">
-                    <a16:rowId xmlns:a16="http://schemas.microsoft.com/office/drawing/2014/main" val="2402295976"/>
-                  </a:ext>
-                </a:extLst>
-              </a:tr>
-            </a:tbl>
-          </a:graphicData>
-        </a:graphic>
-      </p:graphicFrame>
-    </p:spTree>
-    <p:extLst>
-      <p:ext uri="{BB962C8B-B14F-4D97-AF65-F5344CB8AC3E}">
-        <p14:creationId xmlns:p14="http://schemas.microsoft.com/office/powerpoint/2010/main" val="4220878438"/>
-      </p:ext>
-    </p:extLst>
-  </p:cSld>
-  <p:clrMapOvr>
-    <a:masterClrMapping/>
-  </p:clrMapOvr>
-</p:sld>
-</file>
-
-<file path=ppt/slides/slide5.xml><?xml version="1.0" encoding="utf-8"?>
-<p:sld xmlns:a="http://purl.oclc.org/ooxml/drawingml/main" xmlns:r="http://purl.oclc.org/ooxml/officeDocument/relationships" xmlns:p="http://purl.oclc.org/ooxml/presentationml/main">
-  <p:cSld>
-    <p:spTree>
-      <p:nvGrpSpPr>
-        <p:cNvPr id="1" name=""/>
-        <p:cNvGrpSpPr/>
-        <p:nvPr/>
-      </p:nvGrpSpPr>
-      <p:grpSpPr>
-        <a:xfrm>
-          <a:off x="0" y="0"/>
-          <a:ext cx="0" cy="0"/>
-          <a:chOff x="0" y="0"/>
-          <a:chExt cx="0" cy="0"/>
-        </a:xfrm>
-      </p:grpSpPr>
-      <p:sp>
-        <p:nvSpPr>
-          <p:cNvPr id="2" name="Title 1">
-            <a:extLst>
-              <a:ext uri="{FF2B5EF4-FFF2-40B4-BE49-F238E27FC236}">
-                <a16:creationId xmlns:a16="http://schemas.microsoft.com/office/drawing/2014/main" id="{407D968D-07D2-5CE4-A5DB-4F8942F5CFB8}"/>
-              </a:ext>
-            </a:extLst>
-          </p:cNvPr>
-          <p:cNvSpPr>
-            <a:spLocks noGrp="1"/>
-          </p:cNvSpPr>
-          <p:nvPr>
-            <p:ph type="ctrTitle"/>
-          </p:nvPr>
-        </p:nvSpPr>
-        <p:spPr/>
-        <p:txBody>
-          <a:bodyPr/>
-          <a:lstStyle/>
-          <a:p>
-            <a:r>
-              <a:rPr lang="en-IN" cap="none" dirty="0"/>
-              <a:t>Build image from Docker file</a:t>
-            </a:r>
-            <a:endParaRPr lang="en-GB" cap="none" dirty="0"/>
-          </a:p>
-        </p:txBody>
-      </p:sp>
-    </p:spTree>
-    <p:extLst>
-      <p:ext uri="{BB962C8B-B14F-4D97-AF65-F5344CB8AC3E}">
-        <p14:creationId xmlns:p14="http://schemas.microsoft.com/office/powerpoint/2010/main" val="2968944215"/>
-      </p:ext>
-    </p:extLst>
-  </p:cSld>
-  <p:clrMapOvr>
-    <a:masterClrMapping/>
-  </p:clrMapOvr>
-</p:sld>
-</file>
-
-<file path=ppt/slides/slide6.xml><?xml version="1.0" encoding="utf-8"?>
-<p:sld xmlns:a="http://purl.oclc.org/ooxml/drawingml/main" xmlns:r="http://purl.oclc.org/ooxml/officeDocument/relationships" xmlns:p="http://purl.oclc.org/ooxml/presentationml/main">
-  <p:cSld>
-    <p:spTree>
-      <p:nvGrpSpPr>
-        <p:cNvPr id="1" name=""/>
-        <p:cNvGrpSpPr/>
-        <p:nvPr/>
-      </p:nvGrpSpPr>
-      <p:grpSpPr>
-        <a:xfrm>
-          <a:off x="0" y="0"/>
-          <a:ext cx="0" cy="0"/>
-          <a:chOff x="0" y="0"/>
-          <a:chExt cx="0" cy="0"/>
-        </a:xfrm>
-      </p:grpSpPr>
-      <p:sp>
-        <p:nvSpPr>
-          <p:cNvPr id="2" name="Title 1">
-            <a:extLst>
-              <a:ext uri="{FF2B5EF4-FFF2-40B4-BE49-F238E27FC236}">
-                <a16:creationId xmlns:a16="http://schemas.microsoft.com/office/drawing/2014/main" id="{407D968D-07D2-5CE4-A5DB-4F8942F5CFB8}"/>
-              </a:ext>
-            </a:extLst>
-          </p:cNvPr>
-          <p:cNvSpPr>
-            <a:spLocks noGrp="1"/>
-          </p:cNvSpPr>
-          <p:nvPr>
-            <p:ph type="ctrTitle"/>
-          </p:nvPr>
-        </p:nvSpPr>
-        <p:spPr/>
-        <p:txBody>
-          <a:bodyPr/>
-          <a:lstStyle/>
-          <a:p>
-            <a:r>
-              <a:rPr lang="en-IN" cap="none" dirty="0"/>
-              <a:t>Build image from Docker file</a:t>
-            </a:r>
-            <a:endParaRPr lang="en-GB" cap="none" dirty="0"/>
-          </a:p>
-        </p:txBody>
-      </p:sp>
-    </p:spTree>
-    <p:extLst>
-      <p:ext uri="{BB962C8B-B14F-4D97-AF65-F5344CB8AC3E}">
-        <p14:creationId xmlns:p14="http://schemas.microsoft.com/office/powerpoint/2010/main" val="3636170785"/>
-      </p:ext>
-    </p:extLst>
-  </p:cSld>
-  <p:clrMapOvr>
-    <a:masterClrMapping/>
-  </p:clrMapOvr>
-</p:sld>
-</file>
-
-<file path=ppt/slides/slide7.xml><?xml version="1.0" encoding="utf-8"?>
-<p:sld xmlns:a="http://purl.oclc.org/ooxml/drawingml/main" xmlns:r="http://purl.oclc.org/ooxml/officeDocument/relationships" xmlns:p="http://purl.oclc.org/ooxml/presentationml/main">
-  <p:cSld>
-    <p:spTree>
-      <p:nvGrpSpPr>
-        <p:cNvPr id="1" name=""/>
-        <p:cNvGrpSpPr/>
-        <p:nvPr/>
-      </p:nvGrpSpPr>
-      <p:grpSpPr>
-        <a:xfrm>
-          <a:off x="0" y="0"/>
-          <a:ext cx="0" cy="0"/>
-          <a:chOff x="0" y="0"/>
-          <a:chExt cx="0" cy="0"/>
-        </a:xfrm>
-      </p:grpSpPr>
-      <p:sp>
-        <p:nvSpPr>
-          <p:cNvPr id="2" name="Title 1">
-            <a:extLst>
-              <a:ext uri="{FF2B5EF4-FFF2-40B4-BE49-F238E27FC236}">
-                <a16:creationId xmlns:a16="http://schemas.microsoft.com/office/drawing/2014/main" id="{407D968D-07D2-5CE4-A5DB-4F8942F5CFB8}"/>
-              </a:ext>
-            </a:extLst>
-          </p:cNvPr>
-          <p:cNvSpPr>
-            <a:spLocks noGrp="1"/>
-          </p:cNvSpPr>
-          <p:nvPr>
-            <p:ph type="ctrTitle"/>
-          </p:nvPr>
-        </p:nvSpPr>
-        <p:spPr/>
-        <p:txBody>
-          <a:bodyPr/>
-          <a:lstStyle/>
-          <a:p>
-            <a:r>
-              <a:rPr lang="en-IN" cap="none" dirty="0"/>
-              <a:t>Build image from Docker file</a:t>
-            </a:r>
-            <a:endParaRPr lang="en-GB" cap="none" dirty="0"/>
-          </a:p>
-        </p:txBody>
-      </p:sp>
-    </p:spTree>
-    <p:extLst>
-      <p:ext uri="{BB962C8B-B14F-4D97-AF65-F5344CB8AC3E}">
-        <p14:creationId xmlns:p14="http://schemas.microsoft.com/office/powerpoint/2010/main" val="2121527160"/>
-      </p:ext>
-    </p:extLst>
-  </p:cSld>
-  <p:clrMapOvr>
-    <a:masterClrMapping/>
-  </p:clrMapOvr>
-</p:sld>
-</file>
-
 <file path=ppt/theme/theme1.xml><?xml version="1.0" encoding="utf-8"?>
 <a:theme xmlns:a="http://purl.oclc.org/ooxml/drawingml/main" name="DividendVTI">
   <a:themeElements>
@@ -5073,15 +4739,6 @@
 </file>
 
 <file path=customXml/item2.xml><?xml version="1.0" encoding="utf-8"?>
-<?mso-contentType ?>
-<FormTemplates xmlns="http://schemas.microsoft.com/sharepoint/v3/contenttype/forms">
-  <Display>DocumentLibraryForm</Display>
-  <Edit>DocumentLibraryForm</Edit>
-  <New>DocumentLibraryForm</New>
-</FormTemplates>
-</file>
-
-<file path=customXml/item3.xml><?xml version="1.0" encoding="utf-8"?>
 <ct:contentTypeSchema xmlns:ct="http://schemas.microsoft.com/office/2006/metadata/contentType" xmlns:ma="http://schemas.microsoft.com/office/2006/metadata/properties/metaAttributes" ct:_="" ma:_="" ma:contentTypeName="Document" ma:contentTypeID="0x01010079F111ED35F8CC479449609E8A0923A6" ma:contentTypeVersion="12" ma:contentTypeDescription="Create a new document." ma:contentTypeScope="" ma:versionID="a410dd7f93c95333ffa1b60ed6adedd1">
   <xsd:schema xmlns:xsd="http://www.w3.org/2001/XMLSchema" xmlns:xs="http://www.w3.org/2001/XMLSchema" xmlns:p="http://schemas.microsoft.com/office/2006/metadata/properties" xmlns:ns2="71af3243-3dd4-4a8d-8c0d-dd76da1f02a5" xmlns:ns3="16c05727-aa75-4e4a-9b5f-8a80a1165891" targetNamespace="http://schemas.microsoft.com/office/2006/metadata/properties" ma:root="true" ma:fieldsID="a936d9baba76aa3866493feff160faab" ns2:_="" ns3:_="">
     <xsd:import namespace="71af3243-3dd4-4a8d-8c0d-dd76da1f02a5"/>
@@ -5302,6 +4959,15 @@
 </ct:contentTypeSchema>
 </file>
 
+<file path=customXml/item3.xml><?xml version="1.0" encoding="utf-8"?>
+<?mso-contentType ?>
+<FormTemplates xmlns="http://schemas.microsoft.com/sharepoint/v3/contenttype/forms">
+  <Display>DocumentLibraryForm</Display>
+  <Edit>DocumentLibraryForm</Edit>
+  <New>DocumentLibraryForm</New>
+</FormTemplates>
+</file>
+
 <file path=customXml/itemProps1.xml><?xml version="1.0" encoding="utf-8"?>
 <ds:datastoreItem xmlns:ds="http://purl.oclc.org/ooxml/officeDocument/customXml" ds:itemID="{8D289AE2-D2AE-49D1-AFAC-3A79F6794255}">
   <ds:schemaRefs>
@@ -5313,14 +4979,6 @@
 </file>
 
 <file path=customXml/itemProps2.xml><?xml version="1.0" encoding="utf-8"?>
-<ds:datastoreItem xmlns:ds="http://purl.oclc.org/ooxml/officeDocument/customXml" ds:itemID="{927BD4C1-B6B1-4715-ABF9-E660A51A4EA0}">
-  <ds:schemaRefs>
-    <ds:schemaRef ds:uri="http://schemas.microsoft.com/sharepoint/v3/contenttype/forms"/>
-  </ds:schemaRefs>
-</ds:datastoreItem>
-</file>
-
-<file path=customXml/itemProps3.xml><?xml version="1.0" encoding="utf-8"?>
 <ds:datastoreItem xmlns:ds="http://purl.oclc.org/ooxml/officeDocument/customXml" ds:itemID="{41E7CA09-9778-4414-AE97-8064B12DA30E}">
   <ds:schemaRefs>
     <ds:schemaRef ds:uri="http://schemas.microsoft.com/office/2006/metadata/contentType"/>
@@ -5337,4 +4995,12 @@
     <ds:schemaRef ds:uri="http://schemas.microsoft.com/internal/obd"/>
   </ds:schemaRefs>
 </ds:datastoreItem>
+</file>
+
+<file path=customXml/itemProps3.xml><?xml version="1.0" encoding="utf-8"?>
+<ds:datastoreItem xmlns:ds="http://purl.oclc.org/ooxml/officeDocument/customXml" ds:itemID="{927BD4C1-B6B1-4715-ABF9-E660A51A4EA0}">
+  <ds:schemaRefs>
+    <ds:schemaRef ds:uri="http://schemas.microsoft.com/sharepoint/v3/contenttype/forms"/>
+  </ds:schemaRefs>
+</ds:datastoreItem>
 </file>